--- a/Lab_Excercises/Lab3/Lab 3 (Distributed System).pptx
+++ b/Lab_Excercises/Lab3/Lab 3 (Distributed System).pptx
@@ -21,7 +21,8 @@
     <p:sldId id="286" r:id="rId15"/>
     <p:sldId id="287" r:id="rId16"/>
     <p:sldId id="288" r:id="rId17"/>
-    <p:sldId id="272" r:id="rId18"/>
+    <p:sldId id="289" r:id="rId18"/>
+    <p:sldId id="272" r:id="rId19"/>
   </p:sldIdLst>
   <p:sldSz cx="9144000" cy="6858000" type="screen4x3"/>
   <p:notesSz cx="6858000" cy="9144000"/>
@@ -311,11 +312,11 @@
         </c:dLbls>
         <c:marker val="1"/>
         <c:smooth val="0"/>
-        <c:axId val="48396928"/>
-        <c:axId val="48517504"/>
+        <c:axId val="128775680"/>
+        <c:axId val="128777216"/>
       </c:lineChart>
       <c:catAx>
-        <c:axId val="48396928"/>
+        <c:axId val="128775680"/>
         <c:scaling>
           <c:orientation val="minMax"/>
         </c:scaling>
@@ -325,7 +326,7 @@
         <c:majorTickMark val="out"/>
         <c:minorTickMark val="none"/>
         <c:tickLblPos val="nextTo"/>
-        <c:crossAx val="48517504"/>
+        <c:crossAx val="128777216"/>
         <c:crosses val="autoZero"/>
         <c:auto val="0"/>
         <c:lblAlgn val="ctr"/>
@@ -333,7 +334,7 @@
         <c:noMultiLvlLbl val="0"/>
       </c:catAx>
       <c:valAx>
-        <c:axId val="48517504"/>
+        <c:axId val="128777216"/>
         <c:scaling>
           <c:orientation val="minMax"/>
         </c:scaling>
@@ -344,7 +345,7 @@
         <c:majorTickMark val="out"/>
         <c:minorTickMark val="none"/>
         <c:tickLblPos val="nextTo"/>
-        <c:crossAx val="48396928"/>
+        <c:crossAx val="128775680"/>
         <c:crosses val="autoZero"/>
         <c:crossBetween val="between"/>
       </c:valAx>
@@ -555,7 +556,7 @@
           <a:p>
             <a:fld id="{D3EB1186-0E29-4C44-B1A9-4B7C9762A0F5}" type="datetimeFigureOut">
               <a:rPr lang="en-GB" smtClean="0"/>
-              <a:t>04/12/2019</a:t>
+              <a:t>05/12/2019</a:t>
             </a:fld>
             <a:endParaRPr lang="en-GB"/>
           </a:p>
@@ -725,7 +726,7 @@
           <a:p>
             <a:fld id="{D3EB1186-0E29-4C44-B1A9-4B7C9762A0F5}" type="datetimeFigureOut">
               <a:rPr lang="en-GB" smtClean="0"/>
-              <a:t>04/12/2019</a:t>
+              <a:t>05/12/2019</a:t>
             </a:fld>
             <a:endParaRPr lang="en-GB"/>
           </a:p>
@@ -905,7 +906,7 @@
           <a:p>
             <a:fld id="{D3EB1186-0E29-4C44-B1A9-4B7C9762A0F5}" type="datetimeFigureOut">
               <a:rPr lang="en-GB" smtClean="0"/>
-              <a:t>04/12/2019</a:t>
+              <a:t>05/12/2019</a:t>
             </a:fld>
             <a:endParaRPr lang="en-GB"/>
           </a:p>
@@ -1075,7 +1076,7 @@
           <a:p>
             <a:fld id="{D3EB1186-0E29-4C44-B1A9-4B7C9762A0F5}" type="datetimeFigureOut">
               <a:rPr lang="en-GB" smtClean="0"/>
-              <a:t>04/12/2019</a:t>
+              <a:t>05/12/2019</a:t>
             </a:fld>
             <a:endParaRPr lang="en-GB"/>
           </a:p>
@@ -1321,7 +1322,7 @@
           <a:p>
             <a:fld id="{D3EB1186-0E29-4C44-B1A9-4B7C9762A0F5}" type="datetimeFigureOut">
               <a:rPr lang="en-GB" smtClean="0"/>
-              <a:t>04/12/2019</a:t>
+              <a:t>05/12/2019</a:t>
             </a:fld>
             <a:endParaRPr lang="en-GB"/>
           </a:p>
@@ -1609,7 +1610,7 @@
           <a:p>
             <a:fld id="{D3EB1186-0E29-4C44-B1A9-4B7C9762A0F5}" type="datetimeFigureOut">
               <a:rPr lang="en-GB" smtClean="0"/>
-              <a:t>04/12/2019</a:t>
+              <a:t>05/12/2019</a:t>
             </a:fld>
             <a:endParaRPr lang="en-GB"/>
           </a:p>
@@ -2031,7 +2032,7 @@
           <a:p>
             <a:fld id="{D3EB1186-0E29-4C44-B1A9-4B7C9762A0F5}" type="datetimeFigureOut">
               <a:rPr lang="en-GB" smtClean="0"/>
-              <a:t>04/12/2019</a:t>
+              <a:t>05/12/2019</a:t>
             </a:fld>
             <a:endParaRPr lang="en-GB"/>
           </a:p>
@@ -2149,7 +2150,7 @@
           <a:p>
             <a:fld id="{D3EB1186-0E29-4C44-B1A9-4B7C9762A0F5}" type="datetimeFigureOut">
               <a:rPr lang="en-GB" smtClean="0"/>
-              <a:t>04/12/2019</a:t>
+              <a:t>05/12/2019</a:t>
             </a:fld>
             <a:endParaRPr lang="en-GB"/>
           </a:p>
@@ -2244,7 +2245,7 @@
           <a:p>
             <a:fld id="{D3EB1186-0E29-4C44-B1A9-4B7C9762A0F5}" type="datetimeFigureOut">
               <a:rPr lang="en-GB" smtClean="0"/>
-              <a:t>04/12/2019</a:t>
+              <a:t>05/12/2019</a:t>
             </a:fld>
             <a:endParaRPr lang="en-GB"/>
           </a:p>
@@ -2521,7 +2522,7 @@
           <a:p>
             <a:fld id="{D3EB1186-0E29-4C44-B1A9-4B7C9762A0F5}" type="datetimeFigureOut">
               <a:rPr lang="en-GB" smtClean="0"/>
-              <a:t>04/12/2019</a:t>
+              <a:t>05/12/2019</a:t>
             </a:fld>
             <a:endParaRPr lang="en-GB"/>
           </a:p>
@@ -2774,7 +2775,7 @@
           <a:p>
             <a:fld id="{D3EB1186-0E29-4C44-B1A9-4B7C9762A0F5}" type="datetimeFigureOut">
               <a:rPr lang="en-GB" smtClean="0"/>
-              <a:t>04/12/2019</a:t>
+              <a:t>05/12/2019</a:t>
             </a:fld>
             <a:endParaRPr lang="en-GB"/>
           </a:p>
@@ -2987,7 +2988,7 @@
           <a:p>
             <a:fld id="{D3EB1186-0E29-4C44-B1A9-4B7C9762A0F5}" type="datetimeFigureOut">
               <a:rPr lang="en-GB" smtClean="0"/>
-              <a:t>04/12/2019</a:t>
+              <a:t>05/12/2019</a:t>
             </a:fld>
             <a:endParaRPr lang="en-GB"/>
           </a:p>
@@ -3387,11 +3388,7 @@
             </a:r>
             <a:r>
               <a:rPr lang="en-GB" dirty="0" smtClean="0"/>
-              <a:t> </a:t>
-            </a:r>
-            <a:r>
-              <a:rPr lang="en-GB" dirty="0" smtClean="0"/>
-              <a:t>(Distributed System)</a:t>
+              <a:t> (Distributed System)</a:t>
             </a:r>
             <a:endParaRPr lang="en-GB" dirty="0"/>
           </a:p>
@@ -4312,6 +4309,91 @@
             <p:ph type="title"/>
           </p:nvPr>
         </p:nvSpPr>
+        <p:spPr/>
+        <p:txBody>
+          <a:bodyPr/>
+          <a:lstStyle/>
+          <a:p>
+            <a:endParaRPr lang="en-GB"/>
+          </a:p>
+        </p:txBody>
+      </p:sp>
+      <p:pic>
+        <p:nvPicPr>
+          <p:cNvPr id="4" name="Content Placeholder 3"/>
+          <p:cNvPicPr>
+            <a:picLocks noGrp="1" noChangeAspect="1"/>
+          </p:cNvPicPr>
+          <p:nvPr>
+            <p:ph idx="1"/>
+          </p:nvPr>
+        </p:nvPicPr>
+        <p:blipFill>
+          <a:blip r:embed="rId2">
+            <a:extLst>
+              <a:ext uri="{28A0092B-C50C-407E-A947-70E740481C1C}">
+                <a14:useLocalDpi xmlns:a14="http://schemas.microsoft.com/office/drawing/2010/main" val="0"/>
+              </a:ext>
+            </a:extLst>
+          </a:blip>
+          <a:stretch>
+            <a:fillRect/>
+          </a:stretch>
+        </p:blipFill>
+        <p:spPr>
+          <a:xfrm>
+            <a:off x="0" y="980728"/>
+            <a:ext cx="9109063" cy="4896544"/>
+          </a:xfrm>
+        </p:spPr>
+      </p:pic>
+    </p:spTree>
+    <p:extLst>
+      <p:ext uri="{BB962C8B-B14F-4D97-AF65-F5344CB8AC3E}">
+        <p14:creationId xmlns:p14="http://schemas.microsoft.com/office/powerpoint/2010/main" val="3202774746"/>
+      </p:ext>
+    </p:extLst>
+  </p:cSld>
+  <p:clrMapOvr>
+    <a:masterClrMapping/>
+  </p:clrMapOvr>
+  <p:timing>
+    <p:tnLst>
+      <p:par>
+        <p:cTn id="1" dur="indefinite" restart="never" nodeType="tmRoot"/>
+      </p:par>
+    </p:tnLst>
+  </p:timing>
+</p:sld>
+</file>
+
+<file path=ppt/slides/slide18.xml><?xml version="1.0" encoding="utf-8"?>
+<p:sld xmlns:a="http://schemas.openxmlformats.org/drawingml/2006/main" xmlns:r="http://schemas.openxmlformats.org/officeDocument/2006/relationships" xmlns:p="http://schemas.openxmlformats.org/presentationml/2006/main">
+  <p:cSld>
+    <p:spTree>
+      <p:nvGrpSpPr>
+        <p:cNvPr id="1" name=""/>
+        <p:cNvGrpSpPr/>
+        <p:nvPr/>
+      </p:nvGrpSpPr>
+      <p:grpSpPr>
+        <a:xfrm>
+          <a:off x="0" y="0"/>
+          <a:ext cx="0" cy="0"/>
+          <a:chOff x="0" y="0"/>
+          <a:chExt cx="0" cy="0"/>
+        </a:xfrm>
+      </p:grpSpPr>
+      <p:sp>
+        <p:nvSpPr>
+          <p:cNvPr id="2" name="Title 1"/>
+          <p:cNvSpPr>
+            <a:spLocks noGrp="1"/>
+          </p:cNvSpPr>
+          <p:nvPr>
+            <p:ph type="title"/>
+          </p:nvPr>
+        </p:nvSpPr>
         <p:spPr>
           <a:xfrm>
             <a:off x="395536" y="2492896"/>
@@ -4384,7 +4466,7 @@
           <a:p>
             <a:r>
               <a:rPr lang="en-GB" dirty="0" smtClean="0"/>
-              <a:t>What we have done!!</a:t>
+              <a:t>What we have Implemented!</a:t>
             </a:r>
             <a:endParaRPr lang="en-GB" dirty="0"/>
           </a:p>
@@ -4981,7 +5063,7 @@
         <p:spPr/>
         <p:txBody>
           <a:bodyPr>
-            <a:normAutofit fontScale="92500" lnSpcReduction="10000"/>
+            <a:normAutofit fontScale="92500" lnSpcReduction="20000"/>
           </a:bodyPr>
           <a:lstStyle/>
           <a:p>
@@ -5159,7 +5241,25 @@
               <a:rPr lang="en-GB" dirty="0" smtClean="0">
                 <a:sym typeface="Wingdings" pitchFamily="2" charset="2"/>
               </a:rPr>
-              <a:t>For concurrent events we can order using logical (</a:t>
+              <a:t>For concurrent events we </a:t>
+            </a:r>
+            <a:r>
+              <a:rPr lang="en-GB" dirty="0" smtClean="0">
+                <a:sym typeface="Wingdings" pitchFamily="2" charset="2"/>
+              </a:rPr>
+              <a:t>ordered </a:t>
+            </a:r>
+            <a:r>
+              <a:rPr lang="en-GB" dirty="0" smtClean="0">
+                <a:sym typeface="Wingdings" pitchFamily="2" charset="2"/>
+              </a:rPr>
+              <a:t>using </a:t>
+            </a:r>
+            <a:r>
+              <a:rPr lang="en-GB" dirty="0" smtClean="0">
+                <a:sym typeface="Wingdings" pitchFamily="2" charset="2"/>
+              </a:rPr>
+              <a:t>logical (</a:t>
             </a:r>
             <a:r>
               <a:rPr lang="en-GB" dirty="0" err="1" smtClean="0">
@@ -5177,7 +5277,19 @@
               <a:rPr lang="en-GB" dirty="0" smtClean="0">
                 <a:sym typeface="Wingdings" pitchFamily="2" charset="2"/>
               </a:rPr>
-              <a:t> timestamp  and index of the server </a:t>
+              <a:t> </a:t>
+            </a:r>
+            <a:r>
+              <a:rPr lang="en-GB" dirty="0" smtClean="0">
+                <a:sym typeface="Wingdings" pitchFamily="2" charset="2"/>
+              </a:rPr>
+              <a:t>timestamp within the vector clocks  </a:t>
+            </a:r>
+            <a:r>
+              <a:rPr lang="en-GB" dirty="0" smtClean="0">
+                <a:sym typeface="Wingdings" pitchFamily="2" charset="2"/>
+              </a:rPr>
+              <a:t>and index of the server </a:t>
             </a:r>
             <a:endParaRPr lang="en-GB" dirty="0"/>
           </a:p>
